--- a/graduate_presentation_afiq_1221.pptx
+++ b/graduate_presentation_afiq_1221.pptx
@@ -4994,7 +4994,7 @@
           <a:p>
             <a:fld id="{40394EA3-A8D3-42DC-A7DD-8A5F263E5D3E}" type="datetimeFigureOut">
               <a:rPr lang="en-US" smtClean="0"/>
-              <a:t>12/21/2023</a:t>
+              <a:t>1/13/2024</a:t>
             </a:fld>
             <a:endParaRPr lang="en-US"/>
           </a:p>
@@ -7793,7 +7793,7 @@
           <a:p>
             <a:fld id="{3C04E684-10F4-4CC3-A0B9-F03AA7BE37CF}" type="datetimeFigureOut">
               <a:rPr lang="en-US" smtClean="0"/>
-              <a:t>12/21/2023</a:t>
+              <a:t>1/13/2024</a:t>
             </a:fld>
             <a:endParaRPr lang="en-US"/>
           </a:p>
@@ -10283,7 +10283,7 @@
           <a:p>
             <a:fld id="{3C04E684-10F4-4CC3-A0B9-F03AA7BE37CF}" type="datetimeFigureOut">
               <a:rPr lang="en-US" smtClean="0"/>
-              <a:t>12/21/2023</a:t>
+              <a:t>1/13/2024</a:t>
             </a:fld>
             <a:endParaRPr lang="en-US"/>
           </a:p>
@@ -10481,7 +10481,7 @@
           <a:p>
             <a:fld id="{3C04E684-10F4-4CC3-A0B9-F03AA7BE37CF}" type="datetimeFigureOut">
               <a:rPr lang="en-US" smtClean="0"/>
-              <a:t>12/21/2023</a:t>
+              <a:t>1/13/2024</a:t>
             </a:fld>
             <a:endParaRPr lang="en-US"/>
           </a:p>
@@ -10689,7 +10689,7 @@
           <a:p>
             <a:fld id="{3C04E684-10F4-4CC3-A0B9-F03AA7BE37CF}" type="datetimeFigureOut">
               <a:rPr lang="en-US" smtClean="0"/>
-              <a:t>12/21/2023</a:t>
+              <a:t>1/13/2024</a:t>
             </a:fld>
             <a:endParaRPr lang="en-US"/>
           </a:p>
@@ -10909,7 +10909,7 @@
           <a:p>
             <a:fld id="{3C04E684-10F4-4CC3-A0B9-F03AA7BE37CF}" type="datetimeFigureOut">
               <a:rPr lang="en-US" smtClean="0"/>
-              <a:t>12/21/2023</a:t>
+              <a:t>1/13/2024</a:t>
             </a:fld>
             <a:endParaRPr lang="en-US"/>
           </a:p>
@@ -11139,7 +11139,7 @@
           <a:p>
             <a:fld id="{3C04E684-10F4-4CC3-A0B9-F03AA7BE37CF}" type="datetimeFigureOut">
               <a:rPr lang="en-US" smtClean="0"/>
-              <a:t>12/21/2023</a:t>
+              <a:t>1/13/2024</a:t>
             </a:fld>
             <a:endParaRPr lang="en-US"/>
           </a:p>
@@ -11414,7 +11414,7 @@
           <a:p>
             <a:fld id="{3C04E684-10F4-4CC3-A0B9-F03AA7BE37CF}" type="datetimeFigureOut">
               <a:rPr lang="en-US" smtClean="0"/>
-              <a:t>12/21/2023</a:t>
+              <a:t>1/13/2024</a:t>
             </a:fld>
             <a:endParaRPr lang="en-US"/>
           </a:p>
@@ -11743,7 +11743,7 @@
           <a:p>
             <a:fld id="{3C04E684-10F4-4CC3-A0B9-F03AA7BE37CF}" type="datetimeFigureOut">
               <a:rPr lang="en-US" smtClean="0"/>
-              <a:t>12/21/2023</a:t>
+              <a:t>1/13/2024</a:t>
             </a:fld>
             <a:endParaRPr lang="en-US"/>
           </a:p>
@@ -12219,7 +12219,7 @@
           <a:p>
             <a:fld id="{3C04E684-10F4-4CC3-A0B9-F03AA7BE37CF}" type="datetimeFigureOut">
               <a:rPr lang="en-US" smtClean="0"/>
-              <a:t>12/21/2023</a:t>
+              <a:t>1/13/2024</a:t>
             </a:fld>
             <a:endParaRPr lang="en-US"/>
           </a:p>
@@ -12360,7 +12360,7 @@
           <a:p>
             <a:fld id="{3C04E684-10F4-4CC3-A0B9-F03AA7BE37CF}" type="datetimeFigureOut">
               <a:rPr lang="en-US" smtClean="0"/>
-              <a:t>12/21/2023</a:t>
+              <a:t>1/13/2024</a:t>
             </a:fld>
             <a:endParaRPr lang="en-US"/>
           </a:p>
@@ -12473,7 +12473,7 @@
           <a:p>
             <a:fld id="{3C04E684-10F4-4CC3-A0B9-F03AA7BE37CF}" type="datetimeFigureOut">
               <a:rPr lang="en-US" smtClean="0"/>
-              <a:t>12/21/2023</a:t>
+              <a:t>1/13/2024</a:t>
             </a:fld>
             <a:endParaRPr lang="en-US"/>
           </a:p>
@@ -13210,7 +13210,7 @@
           <a:p>
             <a:fld id="{3C04E684-10F4-4CC3-A0B9-F03AA7BE37CF}" type="datetimeFigureOut">
               <a:rPr lang="en-US" smtClean="0"/>
-              <a:t>12/21/2023</a:t>
+              <a:t>1/13/2024</a:t>
             </a:fld>
             <a:endParaRPr lang="en-US"/>
           </a:p>
@@ -13553,7 +13553,7 @@
           <a:p>
             <a:fld id="{3C04E684-10F4-4CC3-A0B9-F03AA7BE37CF}" type="datetimeFigureOut">
               <a:rPr lang="en-US" smtClean="0"/>
-              <a:t>12/21/2023</a:t>
+              <a:t>1/13/2024</a:t>
             </a:fld>
             <a:endParaRPr lang="en-US"/>
           </a:p>
@@ -13841,7 +13841,7 @@
           <a:p>
             <a:fld id="{3C04E684-10F4-4CC3-A0B9-F03AA7BE37CF}" type="datetimeFigureOut">
               <a:rPr lang="en-US" smtClean="0"/>
-              <a:t>12/21/2023</a:t>
+              <a:t>1/13/2024</a:t>
             </a:fld>
             <a:endParaRPr lang="en-US"/>
           </a:p>
@@ -14071,7 +14071,7 @@
           <a:p>
             <a:fld id="{3C04E684-10F4-4CC3-A0B9-F03AA7BE37CF}" type="datetimeFigureOut">
               <a:rPr lang="en-US" smtClean="0"/>
-              <a:t>12/21/2023</a:t>
+              <a:t>1/13/2024</a:t>
             </a:fld>
             <a:endParaRPr lang="en-US"/>
           </a:p>
@@ -14311,7 +14311,7 @@
           <a:p>
             <a:fld id="{3C04E684-10F4-4CC3-A0B9-F03AA7BE37CF}" type="datetimeFigureOut">
               <a:rPr lang="en-US" smtClean="0"/>
-              <a:t>12/21/2023</a:t>
+              <a:t>1/13/2024</a:t>
             </a:fld>
             <a:endParaRPr lang="en-US"/>
           </a:p>
@@ -14953,7 +14953,7 @@
           <a:p>
             <a:fld id="{3C04E684-10F4-4CC3-A0B9-F03AA7BE37CF}" type="datetimeFigureOut">
               <a:rPr lang="en-US" smtClean="0"/>
-              <a:t>12/21/2023</a:t>
+              <a:t>1/13/2024</a:t>
             </a:fld>
             <a:endParaRPr lang="en-US"/>
           </a:p>
@@ -15753,7 +15753,7 @@
           <a:p>
             <a:fld id="{3C04E684-10F4-4CC3-A0B9-F03AA7BE37CF}" type="datetimeFigureOut">
               <a:rPr lang="en-US" smtClean="0"/>
-              <a:t>12/21/2023</a:t>
+              <a:t>1/13/2024</a:t>
             </a:fld>
             <a:endParaRPr lang="en-US"/>
           </a:p>
@@ -16704,7 +16704,7 @@
           <a:p>
             <a:fld id="{3C04E684-10F4-4CC3-A0B9-F03AA7BE37CF}" type="datetimeFigureOut">
               <a:rPr lang="en-US" smtClean="0"/>
-              <a:t>12/21/2023</a:t>
+              <a:t>1/13/2024</a:t>
             </a:fld>
             <a:endParaRPr lang="en-US"/>
           </a:p>
@@ -19053,7 +19053,7 @@
           <a:p>
             <a:fld id="{3C04E684-10F4-4CC3-A0B9-F03AA7BE37CF}" type="datetimeFigureOut">
               <a:rPr lang="en-US" smtClean="0"/>
-              <a:t>12/21/2023</a:t>
+              <a:t>1/13/2024</a:t>
             </a:fld>
             <a:endParaRPr lang="en-US"/>
           </a:p>
@@ -19166,7 +19166,7 @@
           <a:p>
             <a:fld id="{3C04E684-10F4-4CC3-A0B9-F03AA7BE37CF}" type="datetimeFigureOut">
               <a:rPr lang="en-US" smtClean="0"/>
-              <a:t>12/21/2023</a:t>
+              <a:t>1/13/2024</a:t>
             </a:fld>
             <a:endParaRPr lang="en-US"/>
           </a:p>
@@ -19673,7 +19673,7 @@
           <a:p>
             <a:fld id="{3C04E684-10F4-4CC3-A0B9-F03AA7BE37CF}" type="datetimeFigureOut">
               <a:rPr lang="en-US" smtClean="0"/>
-              <a:t>12/21/2023</a:t>
+              <a:t>1/13/2024</a:t>
             </a:fld>
             <a:endParaRPr lang="en-US"/>
           </a:p>
@@ -20976,7 +20976,7 @@
           <a:p>
             <a:fld id="{3C04E684-10F4-4CC3-A0B9-F03AA7BE37CF}" type="datetimeFigureOut">
               <a:rPr lang="en-US" smtClean="0"/>
-              <a:t>12/21/2023</a:t>
+              <a:t>1/13/2024</a:t>
             </a:fld>
             <a:endParaRPr lang="en-US"/>
           </a:p>
@@ -21219,7 +21219,7 @@
           <a:p>
             <a:fld id="{3C04E684-10F4-4CC3-A0B9-F03AA7BE37CF}" type="datetimeFigureOut">
               <a:rPr lang="en-US" smtClean="0"/>
-              <a:t>12/21/2023</a:t>
+              <a:t>1/13/2024</a:t>
             </a:fld>
             <a:endParaRPr lang="en-US"/>
           </a:p>
@@ -21820,7 +21820,7 @@
           <a:p>
             <a:fld id="{3C04E684-10F4-4CC3-A0B9-F03AA7BE37CF}" type="datetimeFigureOut">
               <a:rPr lang="en-US" smtClean="0"/>
-              <a:t>12/21/2023</a:t>
+              <a:t>1/13/2024</a:t>
             </a:fld>
             <a:endParaRPr lang="en-US"/>
           </a:p>
@@ -24246,7 +24246,7 @@
         </p:blipFill>
         <p:spPr>
           <a:xfrm>
-            <a:off x="7688826" y="1201640"/>
+            <a:off x="7700838" y="1070814"/>
             <a:ext cx="3652962" cy="5063977"/>
           </a:xfrm>
           <a:prstGeom prst="rect">
@@ -24787,7 +24787,7 @@
             </a:r>
             <a:r>
               <a:rPr lang="ja-JP" altLang="en-US" sz="2400" dirty="0"/>
-              <a:t>回動かすように依頼し、各回の椅子の現在の測定値が記録されます（</a:t>
+              <a:t>回動かすように依頼し、各回の椅子の現在の測定値が記録する（</a:t>
             </a:r>
             <a:r>
               <a:rPr lang="en-US" altLang="ja-JP" sz="2400" dirty="0"/>
@@ -25198,8 +25198,8 @@
         </p:blipFill>
         <p:spPr>
           <a:xfrm>
-            <a:off x="7714212" y="1139931"/>
-            <a:ext cx="3669618" cy="5412556"/>
+            <a:off x="8091623" y="1044919"/>
+            <a:ext cx="3262177" cy="4811595"/>
           </a:xfrm>
           <a:prstGeom prst="rect">
             <a:avLst/>
